--- a/Microservice.pptx
+++ b/Microservice.pptx
@@ -3889,7 +3889,7 @@
           <a:p>
             <a:fld id="{F352A77B-D33C-49B3-A83C-450AA2ED72B3}" type="datetimeFigureOut">
               <a:rPr lang="en-US" smtClean="0"/>
-              <a:t>8/17/2022</a:t>
+              <a:t>9/22/2022</a:t>
             </a:fld>
             <a:endParaRPr lang="en-US" dirty="0"/>
           </a:p>
@@ -4066,7 +4066,7 @@
           <a:p>
             <a:fld id="{E38D8F9A-F5CB-4EF8-A859-ED5E107B9763}" type="datetimeFigureOut">
               <a:rPr lang="en-US" smtClean="0"/>
-              <a:t>8/17/2022</a:t>
+              <a:t>9/22/2022</a:t>
             </a:fld>
             <a:endParaRPr lang="en-US" dirty="0"/>
           </a:p>
@@ -4464,7 +4464,7 @@
           <a:p>
             <a:fld id="{D75E3822-AEEF-45C3-926B-E2AB10D8C030}" type="datetime1">
               <a:rPr lang="en-US" smtClean="0"/>
-              <a:t>8/17/2022</a:t>
+              <a:t>9/22/2022</a:t>
             </a:fld>
             <a:endParaRPr lang="en-US"/>
           </a:p>
@@ -4634,7 +4634,7 @@
           <a:p>
             <a:fld id="{E4B1D462-C7C8-4958-B446-F75E02243144}" type="datetime1">
               <a:rPr lang="en-US" smtClean="0"/>
-              <a:t>8/17/2022</a:t>
+              <a:t>9/22/2022</a:t>
             </a:fld>
             <a:endParaRPr lang="en-US" dirty="0"/>
           </a:p>
@@ -4815,7 +4815,7 @@
           <a:p>
             <a:fld id="{EE6C23A2-F7C5-4965-A04B-2DB4664C1479}" type="datetime1">
               <a:rPr lang="en-US" smtClean="0"/>
-              <a:t>8/17/2022</a:t>
+              <a:t>9/22/2022</a:t>
             </a:fld>
             <a:endParaRPr lang="en-US" dirty="0"/>
           </a:p>
@@ -5215,7 +5215,7 @@
           <a:p>
             <a:fld id="{19780432-6B61-43CA-8AFF-C0A35E944786}" type="datetime1">
               <a:rPr lang="en-US" smtClean="0"/>
-              <a:t>8/17/2022</a:t>
+              <a:t>9/22/2022</a:t>
             </a:fld>
             <a:endParaRPr lang="en-US" dirty="0"/>
           </a:p>
@@ -6651,7 +6651,7 @@
           <a:p>
             <a:fld id="{C27B9000-5E76-445F-93E3-AF446F1EB72D}" type="datetime1">
               <a:rPr lang="en-US" smtClean="0"/>
-              <a:t>8/17/2022</a:t>
+              <a:t>9/22/2022</a:t>
             </a:fld>
             <a:endParaRPr lang="en-US" dirty="0"/>
           </a:p>
@@ -6841,7 +6841,7 @@
           <a:p>
             <a:fld id="{CFA2F5A2-2105-45B8-9B69-67F6B918CF5A}" type="datetime1">
               <a:rPr lang="en-US" smtClean="0"/>
-              <a:t>8/17/2022</a:t>
+              <a:t>9/22/2022</a:t>
             </a:fld>
             <a:endParaRPr lang="en-US" dirty="0"/>
           </a:p>
@@ -7088,7 +7088,7 @@
           <a:p>
             <a:fld id="{47006158-7206-4BCB-B24B-8854F1C8183F}" type="datetime1">
               <a:rPr lang="en-US" smtClean="0"/>
-              <a:t>8/17/2022</a:t>
+              <a:t>9/22/2022</a:t>
             </a:fld>
             <a:endParaRPr lang="en-US" dirty="0"/>
           </a:p>
@@ -7321,7 +7321,7 @@
           <a:p>
             <a:fld id="{F24471FD-441B-4B8D-BEA6-23B1786AEA93}" type="datetime1">
               <a:rPr lang="en-US" smtClean="0"/>
-              <a:t>8/17/2022</a:t>
+              <a:t>9/22/2022</a:t>
             </a:fld>
             <a:endParaRPr lang="en-US" dirty="0"/>
           </a:p>
@@ -7689,7 +7689,7 @@
           <a:p>
             <a:fld id="{9F243EAE-FAB7-4E6E-AD87-CEFD7C5836F9}" type="datetime1">
               <a:rPr lang="en-US" smtClean="0"/>
-              <a:t>8/17/2022</a:t>
+              <a:t>9/22/2022</a:t>
             </a:fld>
             <a:endParaRPr lang="en-US" dirty="0"/>
           </a:p>
@@ -7808,7 +7808,7 @@
           <a:p>
             <a:fld id="{5126B62C-E633-4AFB-ACEA-2F4D732E66C2}" type="datetime1">
               <a:rPr lang="en-US" smtClean="0"/>
-              <a:t>8/17/2022</a:t>
+              <a:t>9/22/2022</a:t>
             </a:fld>
             <a:endParaRPr lang="en-US" dirty="0"/>
           </a:p>
@@ -7904,7 +7904,7 @@
           <a:p>
             <a:fld id="{C6616C15-3272-40DD-A67A-567DED67A720}" type="datetime1">
               <a:rPr lang="en-US" smtClean="0"/>
-              <a:t>8/17/2022</a:t>
+              <a:t>9/22/2022</a:t>
             </a:fld>
             <a:endParaRPr lang="en-US" dirty="0"/>
           </a:p>
@@ -8182,7 +8182,7 @@
           <a:p>
             <a:fld id="{287A5869-1979-48DC-940A-4278BF7C841B}" type="datetime1">
               <a:rPr lang="en-US" smtClean="0"/>
-              <a:t>8/17/2022</a:t>
+              <a:t>9/22/2022</a:t>
             </a:fld>
             <a:endParaRPr lang="en-US" dirty="0"/>
           </a:p>
@@ -8440,7 +8440,7 @@
           <a:p>
             <a:fld id="{C5B5FDEA-C51D-4437-AD8C-A82A1CA2C278}" type="datetime1">
               <a:rPr lang="en-US" smtClean="0"/>
-              <a:t>8/17/2022</a:t>
+              <a:t>9/22/2022</a:t>
             </a:fld>
             <a:endParaRPr lang="en-US" dirty="0"/>
           </a:p>
@@ -8654,7 +8654,7 @@
           <a:p>
             <a:fld id="{38E46850-EDD3-4952-91AE-427889CEF97F}" type="datetime1">
               <a:rPr lang="en-US" smtClean="0"/>
-              <a:t>8/17/2022</a:t>
+              <a:t>9/22/2022</a:t>
             </a:fld>
             <a:endParaRPr lang="en-US" dirty="0"/>
           </a:p>
@@ -12645,7 +12645,7 @@
             <a:pPr algn="ctr"/>
             <a:r>
               <a:rPr lang="en-US" dirty="0"/>
-              <a:t>Sample Architecture</a:t>
+              <a:t>Architecture</a:t>
             </a:r>
           </a:p>
         </p:txBody>
@@ -13962,6 +13962,15 @@
 </file>
 
 <file path=customXml/item2.xml><?xml version="1.0" encoding="utf-8"?>
+<?mso-contentType ?>
+<FormTemplates xmlns="http://schemas.microsoft.com/sharepoint/v3/contenttype/forms">
+  <Display>DocumentLibraryForm</Display>
+  <Edit>DocumentLibraryForm</Edit>
+  <New>DocumentLibraryForm</New>
+</FormTemplates>
+</file>
+
+<file path=customXml/item3.xml><?xml version="1.0" encoding="utf-8"?>
 <p:properties xmlns:p="http://schemas.microsoft.com/office/2006/metadata/properties" xmlns:xsi="http://www.w3.org/2001/XMLSchema-instance" xmlns:pc="http://schemas.microsoft.com/office/infopath/2007/PartnerControls">
   <documentManagement>
     <_ip_UnifiedCompliancePolicyUIAction xmlns="http://schemas.microsoft.com/sharepoint/v3" xsi:nil="true"/>
@@ -13978,15 +13987,6 @@
     <MediaServiceKeyPoints xmlns="71af3243-3dd4-4a8d-8c0d-dd76da1f02a5" xsi:nil="true"/>
   </documentManagement>
 </p:properties>
-</file>
-
-<file path=customXml/item3.xml><?xml version="1.0" encoding="utf-8"?>
-<?mso-contentType ?>
-<FormTemplates xmlns="http://schemas.microsoft.com/sharepoint/v3/contenttype/forms">
-  <Display>DocumentLibraryForm</Display>
-  <Edit>DocumentLibraryForm</Edit>
-  <New>DocumentLibraryForm</New>
-</FormTemplates>
 </file>
 
 <file path=customXml/itemProps1.xml><?xml version="1.0" encoding="utf-8"?>
@@ -14011,6 +14011,14 @@
 </file>
 
 <file path=customXml/itemProps2.xml><?xml version="1.0" encoding="utf-8"?>
+<ds:datastoreItem xmlns:ds="http://schemas.openxmlformats.org/officeDocument/2006/customXml" ds:itemID="{2815A6BF-B4A3-4B5C-B85C-0D4CB6AE15C7}">
+  <ds:schemaRefs>
+    <ds:schemaRef ds:uri="http://schemas.microsoft.com/sharepoint/v3/contenttype/forms"/>
+  </ds:schemaRefs>
+</ds:datastoreItem>
+</file>
+
+<file path=customXml/itemProps3.xml><?xml version="1.0" encoding="utf-8"?>
 <ds:datastoreItem xmlns:ds="http://schemas.openxmlformats.org/officeDocument/2006/customXml" ds:itemID="{E7D61E6D-BC40-43C3-A154-0081729E0F7E}">
   <ds:schemaRefs>
     <ds:schemaRef ds:uri="http://schemas.microsoft.com/office/2006/metadata/properties"/>
@@ -14022,14 +14030,6 @@
 </ds:datastoreItem>
 </file>
 
-<file path=customXml/itemProps3.xml><?xml version="1.0" encoding="utf-8"?>
-<ds:datastoreItem xmlns:ds="http://schemas.openxmlformats.org/officeDocument/2006/customXml" ds:itemID="{2815A6BF-B4A3-4B5C-B85C-0D4CB6AE15C7}">
-  <ds:schemaRefs>
-    <ds:schemaRef ds:uri="http://schemas.microsoft.com/sharepoint/v3/contenttype/forms"/>
-  </ds:schemaRefs>
-</ds:datastoreItem>
-</file>
-
 <file path=docMetadata/LabelInfo.xml><?xml version="1.0" encoding="utf-8"?>
 <clbl:labelList xmlns:clbl="http://schemas.microsoft.com/office/2020/mipLabelMetadata">
   <clbl:label id="{f42aa342-8706-4288-bd11-ebb85995028c}" enabled="1" method="Standard" siteId="{72f988bf-86f1-41af-91ab-2d7cd011db47}" removed="0"/>
